--- a/material/slides/L10.Capture.In-the-time.Data.pptx
+++ b/material/slides/L10.Capture.In-the-time.Data.pptx
@@ -15708,7 +15708,7 @@
         </p:nvSpPr>
         <p:spPr>
           <a:xfrm>
-            <a:off x="654518" y="638749"/>
+            <a:off x="654518" y="1310080"/>
             <a:ext cx="10938640" cy="2387600"/>
           </a:xfrm>
           <a:prstGeom prst="rect">
@@ -15736,9 +15736,12 @@
             <a:br>
               <a:rPr lang="en-US" sz="4800" dirty="0"/>
             </a:br>
+            <a:br>
+              <a:rPr lang="en-US" sz="4000" dirty="0"/>
+            </a:br>
             <a:r>
               <a:rPr lang="en-US" sz="4000" dirty="0"/>
-              <a:t>Title</a:t>
+              <a:t>Instruments for data collection. Capture in-the-time data.</a:t>
             </a:r>
             <a:endParaRPr lang="en-US" sz="4800" b="0" i="0" u="none" strike="noStrike" cap="none" dirty="0">
               <a:solidFill>

--- a/material/slides/L10.Capture.In-the-time.Data.pptx
+++ b/material/slides/L10.Capture.In-the-time.Data.pptx
@@ -15940,67 +15940,32 @@
           <a:bodyPr/>
           <a:lstStyle/>
           <a:p>
-            <a:pPr>
-              <a:spcBef>
-                <a:spcPts val="1200"/>
-              </a:spcBef>
-            </a:pPr>
+            <a:pPr lvl="0"/>
             <a:r>
-              <a:rPr lang="en-US" sz="2400" dirty="0"/>
-              <a:t>Week 3: Project discussion</a:t>
+              <a:rPr lang="en-GB" sz="2800" dirty="0" err="1"/>
+              <a:t>i</a:t>
             </a:r>
-          </a:p>
-          <a:p>
-            <a:pPr lvl="1">
-              <a:spcBef>
-                <a:spcPts val="1200"/>
-              </a:spcBef>
-            </a:pPr>
             <a:r>
-              <a:rPr lang="en-US" sz="2000" dirty="0"/>
-              <a:t>Topic identification and group formation</a:t>
+              <a:rPr lang="en-GB" sz="2800" dirty="0"/>
+              <a:t>-Log</a:t>
             </a:r>
-          </a:p>
-          <a:p>
-            <a:pPr lvl="1">
-              <a:spcBef>
-                <a:spcPts val="1200"/>
-              </a:spcBef>
-            </a:pPr>
-            <a:r>
-              <a:rPr lang="en-US" sz="2000" dirty="0"/>
-              <a:t>Data collection via questionnaire</a:t>
-            </a:r>
-          </a:p>
-          <a:p>
-            <a:r>
-              <a:rPr lang="en-US" sz="2400" dirty="0"/>
-              <a:t>Week 7: groups presentation – Data collection architecture</a:t>
-            </a:r>
+            <a:endParaRPr lang="en-NL" sz="2800" dirty="0"/>
           </a:p>
           <a:p>
             <a:pPr lvl="1"/>
             <a:r>
-              <a:rPr lang="en-US" sz="2000" dirty="0"/>
-              <a:t>Data </a:t>
+              <a:rPr lang="en-GB" sz="2400" dirty="0"/>
+              <a:t>Sensors</a:t>
             </a:r>
-            <a:r>
-              <a:rPr lang="en-US" sz="2000" dirty="0" err="1"/>
-              <a:t>analysys</a:t>
-            </a:r>
-            <a:endParaRPr lang="en-US" sz="2000" dirty="0"/>
+            <a:endParaRPr lang="en-NL" sz="2400" dirty="0"/>
           </a:p>
           <a:p>
+            <a:pPr lvl="1"/>
             <a:r>
-              <a:rPr lang="en-US" sz="2400" dirty="0"/>
-              <a:t>Week 12: groups presentation – Project results</a:t>
+              <a:rPr lang="en-GB" sz="2400"/>
+              <a:t>Questionnaires</a:t>
             </a:r>
-          </a:p>
-          <a:p>
-            <a:pPr marL="63500" indent="0">
-              <a:buNone/>
-            </a:pPr>
-            <a:endParaRPr lang="en-US" sz="2400" dirty="0"/>
+            <a:endParaRPr lang="en-NL" sz="2400"/>
           </a:p>
         </p:txBody>
       </p:sp>
@@ -16154,153 +16119,6 @@
                                           <p:spTgt spid="3">
                                             <p:txEl>
                                               <p:pRg st="2" end="2"/>
-                                            </p:txEl>
-                                          </p:spTgt>
-                                        </p:tgtEl>
-                                        <p:attrNameLst>
-                                          <p:attrName>style.visibility</p:attrName>
-                                        </p:attrNameLst>
-                                      </p:cBhvr>
-                                      <p:to>
-                                        <p:strVal val="visible"/>
-                                      </p:to>
-                                    </p:set>
-                                  </p:childTnLst>
-                                </p:cTn>
-                              </p:par>
-                            </p:childTnLst>
-                          </p:cTn>
-                        </p:par>
-                      </p:childTnLst>
-                    </p:cTn>
-                  </p:par>
-                  <p:par>
-                    <p:cTn id="11" fill="hold">
-                      <p:stCondLst>
-                        <p:cond delay="indefinite"/>
-                      </p:stCondLst>
-                      <p:childTnLst>
-                        <p:par>
-                          <p:cTn id="12" fill="hold">
-                            <p:stCondLst>
-                              <p:cond delay="0"/>
-                            </p:stCondLst>
-                            <p:childTnLst>
-                              <p:par>
-                                <p:cTn id="13" presetID="1" presetClass="entr" presetSubtype="0" fill="hold" nodeType="clickEffect">
-                                  <p:stCondLst>
-                                    <p:cond delay="0"/>
-                                  </p:stCondLst>
-                                  <p:childTnLst>
-                                    <p:set>
-                                      <p:cBhvr>
-                                        <p:cTn id="14" dur="1" fill="hold">
-                                          <p:stCondLst>
-                                            <p:cond delay="0"/>
-                                          </p:stCondLst>
-                                        </p:cTn>
-                                        <p:tgtEl>
-                                          <p:spTgt spid="3">
-                                            <p:txEl>
-                                              <p:pRg st="3" end="3"/>
-                                            </p:txEl>
-                                          </p:spTgt>
-                                        </p:tgtEl>
-                                        <p:attrNameLst>
-                                          <p:attrName>style.visibility</p:attrName>
-                                        </p:attrNameLst>
-                                      </p:cBhvr>
-                                      <p:to>
-                                        <p:strVal val="visible"/>
-                                      </p:to>
-                                    </p:set>
-                                  </p:childTnLst>
-                                </p:cTn>
-                              </p:par>
-                            </p:childTnLst>
-                          </p:cTn>
-                        </p:par>
-                      </p:childTnLst>
-                    </p:cTn>
-                  </p:par>
-                  <p:par>
-                    <p:cTn id="15" fill="hold">
-                      <p:stCondLst>
-                        <p:cond delay="indefinite"/>
-                      </p:stCondLst>
-                      <p:childTnLst>
-                        <p:par>
-                          <p:cTn id="16" fill="hold">
-                            <p:stCondLst>
-                              <p:cond delay="0"/>
-                            </p:stCondLst>
-                            <p:childTnLst>
-                              <p:par>
-                                <p:cTn id="17" presetID="1" presetClass="entr" presetSubtype="0" fill="hold" nodeType="clickEffect">
-                                  <p:stCondLst>
-                                    <p:cond delay="0"/>
-                                  </p:stCondLst>
-                                  <p:childTnLst>
-                                    <p:set>
-                                      <p:cBhvr>
-                                        <p:cTn id="18" dur="1" fill="hold">
-                                          <p:stCondLst>
-                                            <p:cond delay="0"/>
-                                          </p:stCondLst>
-                                        </p:cTn>
-                                        <p:tgtEl>
-                                          <p:spTgt spid="3">
-                                            <p:txEl>
-                                              <p:pRg st="4" end="4"/>
-                                            </p:txEl>
-                                          </p:spTgt>
-                                        </p:tgtEl>
-                                        <p:attrNameLst>
-                                          <p:attrName>style.visibility</p:attrName>
-                                        </p:attrNameLst>
-                                      </p:cBhvr>
-                                      <p:to>
-                                        <p:strVal val="visible"/>
-                                      </p:to>
-                                    </p:set>
-                                  </p:childTnLst>
-                                </p:cTn>
-                              </p:par>
-                            </p:childTnLst>
-                          </p:cTn>
-                        </p:par>
-                      </p:childTnLst>
-                    </p:cTn>
-                  </p:par>
-                  <p:par>
-                    <p:cTn id="19" fill="hold">
-                      <p:stCondLst>
-                        <p:cond delay="indefinite"/>
-                      </p:stCondLst>
-                      <p:childTnLst>
-                        <p:par>
-                          <p:cTn id="20" fill="hold">
-                            <p:stCondLst>
-                              <p:cond delay="0"/>
-                            </p:stCondLst>
-                            <p:childTnLst>
-                              <p:par>
-                                <p:cTn id="21" presetID="1" presetClass="entr" presetSubtype="0" fill="hold" nodeType="clickEffect">
-                                  <p:stCondLst>
-                                    <p:cond delay="0"/>
-                                  </p:stCondLst>
-                                  <p:childTnLst>
-                                    <p:set>
-                                      <p:cBhvr>
-                                        <p:cTn id="22" dur="1" fill="hold">
-                                          <p:stCondLst>
-                                            <p:cond delay="0"/>
-                                          </p:stCondLst>
-                                        </p:cTn>
-                                        <p:tgtEl>
-                                          <p:spTgt spid="3">
-                                            <p:txEl>
-                                              <p:pRg st="5" end="5"/>
                                             </p:txEl>
                                           </p:spTgt>
                                         </p:tgtEl>
